--- a/trunk/lessions/Android_Par11_Android3DProgramming.pptx
+++ b/trunk/lessions/Android_Par11_Android3DProgramming.pptx
@@ -5,18 +5,21 @@
     <p:sldMasterId id="2147483653" r:id="rId1"/>
   </p:sldMasterIdLst>
   <p:notesMasterIdLst>
-    <p:notesMasterId r:id="rId8"/>
+    <p:notesMasterId r:id="rId11"/>
   </p:notesMasterIdLst>
   <p:handoutMasterIdLst>
-    <p:handoutMasterId r:id="rId9"/>
+    <p:handoutMasterId r:id="rId12"/>
   </p:handoutMasterIdLst>
   <p:sldIdLst>
     <p:sldId id="256" r:id="rId2"/>
     <p:sldId id="259" r:id="rId3"/>
     <p:sldId id="260" r:id="rId4"/>
     <p:sldId id="261" r:id="rId5"/>
-    <p:sldId id="262" r:id="rId6"/>
-    <p:sldId id="258" r:id="rId7"/>
+    <p:sldId id="267" r:id="rId6"/>
+    <p:sldId id="262" r:id="rId7"/>
+    <p:sldId id="268" r:id="rId8"/>
+    <p:sldId id="269" r:id="rId9"/>
+    <p:sldId id="258" r:id="rId10"/>
   </p:sldIdLst>
   <p:sldSz cx="9144000" cy="6858000" type="screen4x3"/>
   <p:notesSz cx="6858000" cy="9144000"/>
@@ -491,7 +494,7 @@
         <p:nvSpPr>
           <p:cNvPr id="13316" name="Rectangle 4"/>
           <p:cNvSpPr>
-            <a:spLocks noGrp="1" noRot="1" noChangeArrowheads="1" noTextEdit="1"/>
+            <a:spLocks noGrp="1" noRot="1" noChangeAspect="1" noChangeArrowheads="1" noTextEdit="1"/>
           </p:cNvSpPr>
           <p:nvPr>
             <p:ph type="sldImg" idx="2"/>
@@ -861,7 +864,7 @@
         <p:nvSpPr>
           <p:cNvPr id="16386" name="Rectangle 2"/>
           <p:cNvSpPr>
-            <a:spLocks noGrp="1" noRot="1" noChangeArrowheads="1" noTextEdit="1"/>
+            <a:spLocks noGrp="1" noRot="1" noChangeAspect="1" noChangeArrowheads="1" noTextEdit="1"/>
           </p:cNvSpPr>
           <p:nvPr>
             <p:ph type="sldImg"/>
@@ -5193,11 +5196,118 @@
           <a:bodyPr/>
           <a:lstStyle/>
           <a:p>
-            <a:pPr eaLnBrk="1" hangingPunct="1">
-              <a:buFont typeface="Wingdings" pitchFamily="2" charset="2"/>
-              <a:buNone/>
-            </a:pPr>
-            <a:endParaRPr lang="en-US" smtClean="0"/>
+            <a:pPr eaLnBrk="1" hangingPunct="1"/>
+            <a:r>
+              <a:rPr lang="en-US" dirty="0" smtClean="0"/>
+              <a:t>OpenGL </a:t>
+            </a:r>
+            <a:r>
+              <a:rPr lang="en-US" dirty="0" err="1" smtClean="0"/>
+              <a:t>là</a:t>
+            </a:r>
+            <a:r>
+              <a:rPr lang="en-US" dirty="0" smtClean="0"/>
+              <a:t> </a:t>
+            </a:r>
+            <a:r>
+              <a:rPr lang="en-US" dirty="0" err="1" smtClean="0"/>
+              <a:t>gì</a:t>
+            </a:r>
+            <a:r>
+              <a:rPr lang="en-US" dirty="0" smtClean="0"/>
+              <a:t>?</a:t>
+            </a:r>
+          </a:p>
+          <a:p>
+            <a:pPr eaLnBrk="1" hangingPunct="1"/>
+            <a:r>
+              <a:rPr lang="en-US" dirty="0" err="1" smtClean="0"/>
+              <a:t>Thư</a:t>
+            </a:r>
+            <a:r>
+              <a:rPr lang="en-US" dirty="0" smtClean="0"/>
+              <a:t> </a:t>
+            </a:r>
+            <a:r>
+              <a:rPr lang="en-US" dirty="0" err="1" smtClean="0"/>
+              <a:t>việ</a:t>
+            </a:r>
+            <a:r>
+              <a:rPr lang="en-US" dirty="0" err="1" smtClean="0"/>
+              <a:t>n</a:t>
+            </a:r>
+            <a:r>
+              <a:rPr lang="en-US" dirty="0" smtClean="0"/>
+              <a:t> OpenGL </a:t>
+            </a:r>
+            <a:r>
+              <a:rPr lang="en-US" dirty="0" err="1" smtClean="0"/>
+              <a:t>trên</a:t>
+            </a:r>
+            <a:r>
+              <a:rPr lang="en-US" dirty="0" smtClean="0"/>
+              <a:t> Android</a:t>
+            </a:r>
+            <a:endParaRPr lang="en-US" dirty="0" smtClean="0"/>
+          </a:p>
+          <a:p>
+            <a:pPr eaLnBrk="1" hangingPunct="1"/>
+            <a:r>
+              <a:rPr lang="en-US" dirty="0" err="1" smtClean="0"/>
+              <a:t>Sử</a:t>
+            </a:r>
+            <a:r>
+              <a:rPr lang="en-US" dirty="0" smtClean="0"/>
+              <a:t> </a:t>
+            </a:r>
+            <a:r>
+              <a:rPr lang="en-US" dirty="0" err="1" smtClean="0"/>
+              <a:t>dụng</a:t>
+            </a:r>
+            <a:r>
+              <a:rPr lang="en-US" dirty="0" smtClean="0"/>
+              <a:t> </a:t>
+            </a:r>
+            <a:r>
+              <a:rPr lang="en-US" dirty="0" err="1" smtClean="0"/>
+              <a:t>thư</a:t>
+            </a:r>
+            <a:r>
+              <a:rPr lang="en-US" dirty="0" smtClean="0"/>
+              <a:t> </a:t>
+            </a:r>
+            <a:r>
+              <a:rPr lang="en-US" dirty="0" err="1" smtClean="0"/>
+              <a:t>viện</a:t>
+            </a:r>
+            <a:r>
+              <a:rPr lang="en-US" dirty="0" smtClean="0"/>
+              <a:t> OpenGL</a:t>
+            </a:r>
+          </a:p>
+          <a:p>
+            <a:pPr eaLnBrk="1" hangingPunct="1"/>
+            <a:r>
+              <a:rPr lang="en-US" dirty="0" err="1" smtClean="0"/>
+              <a:t>Ứng</a:t>
+            </a:r>
+            <a:r>
+              <a:rPr lang="en-US" dirty="0" smtClean="0"/>
+              <a:t> </a:t>
+            </a:r>
+            <a:r>
+              <a:rPr lang="en-US" dirty="0" err="1" smtClean="0"/>
+              <a:t>dụng</a:t>
+            </a:r>
+            <a:r>
+              <a:rPr lang="en-US" dirty="0" smtClean="0"/>
+              <a:t> </a:t>
+            </a:r>
+            <a:r>
+              <a:rPr lang="en-US" dirty="0" err="1" smtClean="0"/>
+              <a:t>mẫu</a:t>
+            </a:r>
+            <a:endParaRPr lang="en-US" dirty="0" smtClean="0"/>
           </a:p>
         </p:txBody>
       </p:sp>
@@ -5236,12 +5346,38 @@
             <p:ph type="title"/>
           </p:nvPr>
         </p:nvSpPr>
-        <p:spPr/>
+        <p:spPr>
+          <a:xfrm>
+            <a:off x="762000" y="762000"/>
+            <a:ext cx="7924800" cy="609600"/>
+          </a:xfrm>
+        </p:spPr>
         <p:txBody>
           <a:bodyPr/>
           <a:lstStyle/>
           <a:p>
-            <a:endParaRPr lang="en-US" smtClean="0"/>
+            <a:pPr algn="r"/>
+            <a:r>
+              <a:rPr lang="en-US" dirty="0" smtClean="0"/>
+              <a:t>OpenGL </a:t>
+            </a:r>
+            <a:r>
+              <a:rPr lang="en-US" dirty="0" err="1" smtClean="0"/>
+              <a:t>là</a:t>
+            </a:r>
+            <a:r>
+              <a:rPr lang="en-US" dirty="0" smtClean="0"/>
+              <a:t> </a:t>
+            </a:r>
+            <a:r>
+              <a:rPr lang="en-US" dirty="0" err="1" smtClean="0"/>
+              <a:t>gì</a:t>
+            </a:r>
+            <a:r>
+              <a:rPr lang="en-US" dirty="0" smtClean="0"/>
+              <a:t>?</a:t>
+            </a:r>
+            <a:endParaRPr lang="en-US" dirty="0" smtClean="0"/>
           </a:p>
         </p:txBody>
       </p:sp>
@@ -5260,7 +5396,147 @@
           <a:bodyPr/>
           <a:lstStyle/>
           <a:p>
-            <a:endParaRPr lang="en-US" smtClean="0"/>
+            <a:r>
+              <a:rPr lang="en-US" sz="2400" dirty="0" smtClean="0"/>
+              <a:t>OpenGL = Open Graphic Library</a:t>
+            </a:r>
+            <a:endParaRPr lang="en-US" sz="2400" dirty="0" smtClean="0"/>
+          </a:p>
+          <a:p>
+            <a:r>
+              <a:rPr lang="vi-VN" sz="2400" dirty="0" smtClean="0"/>
+              <a:t>Được </a:t>
+            </a:r>
+            <a:r>
+              <a:rPr lang="vi-VN" sz="2400" dirty="0" smtClean="0"/>
+              <a:t>phát triển đầu tiên bởi Silicon Graphic, Inc., là một giao diện </a:t>
+            </a:r>
+            <a:r>
+              <a:rPr lang="vi-VN" sz="2400" dirty="0" smtClean="0"/>
+              <a:t>phần </a:t>
+            </a:r>
+            <a:r>
+              <a:rPr lang="vi-VN" sz="2400" dirty="0" smtClean="0"/>
+              <a:t>mềm hướng thủ tục </a:t>
+            </a:r>
+            <a:r>
+              <a:rPr lang="en-US" sz="2400" dirty="0" err="1" smtClean="0"/>
+              <a:t>hỗ</a:t>
+            </a:r>
+            <a:r>
+              <a:rPr lang="en-US" sz="2400" dirty="0" smtClean="0"/>
+              <a:t> </a:t>
+            </a:r>
+            <a:r>
+              <a:rPr lang="vi-VN" sz="2400" dirty="0" smtClean="0"/>
+              <a:t>trợ </a:t>
+            </a:r>
+            <a:r>
+              <a:rPr lang="en-US" sz="2400" dirty="0" err="1" smtClean="0"/>
+              <a:t>xử</a:t>
+            </a:r>
+            <a:r>
+              <a:rPr lang="en-US" sz="2400" dirty="0" smtClean="0"/>
+              <a:t> </a:t>
+            </a:r>
+            <a:r>
+              <a:rPr lang="en-US" sz="2400" dirty="0" err="1" smtClean="0"/>
+              <a:t>lý</a:t>
+            </a:r>
+            <a:r>
+              <a:rPr lang="en-US" sz="2400" dirty="0" smtClean="0"/>
+              <a:t> </a:t>
+            </a:r>
+            <a:r>
+              <a:rPr lang="vi-VN" sz="2400" dirty="0" smtClean="0"/>
+              <a:t>đồ họa.</a:t>
+            </a:r>
+            <a:endParaRPr lang="en-US" sz="2400" dirty="0" smtClean="0"/>
+          </a:p>
+          <a:p>
+            <a:r>
+              <a:rPr lang="vi-VN" sz="2400" dirty="0" smtClean="0"/>
+              <a:t>Là </a:t>
+            </a:r>
+            <a:r>
+              <a:rPr lang="vi-VN" sz="2400" dirty="0" smtClean="0"/>
+              <a:t>giao </a:t>
+            </a:r>
+            <a:r>
+              <a:rPr lang="vi-VN" sz="2400" dirty="0" smtClean="0"/>
+              <a:t>diện phần mềm độc lập với phần cứng (hardware – independent software interface) hộ trợ cho lập trình đồ </a:t>
+            </a:r>
+            <a:r>
+              <a:rPr lang="vi-VN" sz="2400" dirty="0" smtClean="0"/>
+              <a:t>họa</a:t>
+            </a:r>
+            <a:r>
+              <a:rPr lang="en-US" sz="2400" dirty="0" smtClean="0"/>
+              <a:t>.</a:t>
+            </a:r>
+            <a:endParaRPr lang="en-US" sz="2400" dirty="0" smtClean="0"/>
+          </a:p>
+          <a:p>
+            <a:r>
+              <a:rPr lang="en-US" sz="2400" dirty="0" smtClean="0"/>
+              <a:t>L</a:t>
+            </a:r>
+            <a:r>
+              <a:rPr lang="vi-VN" sz="2400" dirty="0" smtClean="0"/>
+              <a:t>à </a:t>
+            </a:r>
+            <a:r>
+              <a:rPr lang="vi-VN" sz="2400" dirty="0" smtClean="0"/>
+              <a:t>lớp trung gian giữa người dùng và phần </a:t>
+            </a:r>
+            <a:r>
+              <a:rPr lang="vi-VN" sz="2400" dirty="0" smtClean="0"/>
+              <a:t>cứng</a:t>
+            </a:r>
+            <a:r>
+              <a:rPr lang="en-US" sz="2400" dirty="0" smtClean="0"/>
+              <a:t>, </a:t>
+            </a:r>
+            <a:r>
+              <a:rPr lang="vi-VN" sz="2400" dirty="0" smtClean="0"/>
+              <a:t>là</a:t>
+            </a:r>
+            <a:r>
+              <a:rPr lang="en-US" sz="2400" dirty="0" smtClean="0"/>
+              <a:t>m</a:t>
+            </a:r>
+            <a:r>
+              <a:rPr lang="vi-VN" sz="2400" dirty="0" smtClean="0"/>
+              <a:t> </a:t>
+            </a:r>
+            <a:r>
+              <a:rPr lang="vi-VN" sz="2400" dirty="0" smtClean="0"/>
+              <a:t>nó giao tiếp trực tiếp với driver của thiết bị đồ họa</a:t>
+            </a:r>
+            <a:r>
+              <a:rPr lang="vi-VN" sz="2400" dirty="0" smtClean="0"/>
+              <a:t>.</a:t>
+            </a:r>
+            <a:endParaRPr lang="en-US" sz="2400" dirty="0" smtClean="0"/>
+          </a:p>
+          <a:p>
+            <a:r>
+              <a:rPr lang="en-US" sz="2400" dirty="0" smtClean="0"/>
+              <a:t>Homepage: </a:t>
+            </a:r>
+            <a:r>
+              <a:rPr lang="en-US" sz="2400" dirty="0" smtClean="0">
+                <a:hlinkClick r:id="rId2"/>
+              </a:rPr>
+              <a:t>http://www.opengl.org</a:t>
+            </a:r>
+            <a:r>
+              <a:rPr lang="en-US" sz="2400" dirty="0" smtClean="0">
+                <a:hlinkClick r:id="rId2"/>
+              </a:rPr>
+              <a:t>/</a:t>
+            </a:r>
+            <a:endParaRPr lang="en-US" sz="2400" dirty="0" smtClean="0"/>
           </a:p>
         </p:txBody>
       </p:sp>
@@ -5299,12 +5575,42 @@
             <p:ph type="title"/>
           </p:nvPr>
         </p:nvSpPr>
-        <p:spPr/>
+        <p:spPr>
+          <a:xfrm>
+            <a:off x="762000" y="762000"/>
+            <a:ext cx="7924800" cy="609600"/>
+          </a:xfrm>
+        </p:spPr>
         <p:txBody>
           <a:bodyPr/>
           <a:lstStyle/>
           <a:p>
-            <a:endParaRPr lang="en-US" smtClean="0"/>
+            <a:pPr algn="r"/>
+            <a:r>
+              <a:rPr lang="en-US" dirty="0" err="1" smtClean="0"/>
+              <a:t>Thư</a:t>
+            </a:r>
+            <a:r>
+              <a:rPr lang="en-US" dirty="0" smtClean="0"/>
+              <a:t> </a:t>
+            </a:r>
+            <a:r>
+              <a:rPr lang="en-US" dirty="0" err="1" smtClean="0"/>
+              <a:t>viện</a:t>
+            </a:r>
+            <a:r>
+              <a:rPr lang="en-US" dirty="0" smtClean="0"/>
+              <a:t> OpenGL </a:t>
+            </a:r>
+            <a:r>
+              <a:rPr lang="en-US" dirty="0" err="1" smtClean="0"/>
+              <a:t>trên</a:t>
+            </a:r>
+            <a:r>
+              <a:rPr lang="en-US" dirty="0" smtClean="0"/>
+              <a:t> Android</a:t>
+            </a:r>
+            <a:endParaRPr lang="en-US" dirty="0" smtClean="0"/>
           </a:p>
         </p:txBody>
       </p:sp>
@@ -5323,6 +5629,468 @@
           <a:bodyPr/>
           <a:lstStyle/>
           <a:p>
+            <a:r>
+              <a:rPr lang="en-US" sz="2400" dirty="0" smtClean="0"/>
+              <a:t>Android </a:t>
+            </a:r>
+            <a:r>
+              <a:rPr lang="en-US" sz="2400" dirty="0" err="1" smtClean="0"/>
+              <a:t>hỗ</a:t>
+            </a:r>
+            <a:r>
+              <a:rPr lang="en-US" sz="2400" dirty="0" smtClean="0"/>
+              <a:t> </a:t>
+            </a:r>
+            <a:r>
+              <a:rPr lang="en-US" sz="2400" dirty="0" err="1" smtClean="0"/>
+              <a:t>trợ</a:t>
+            </a:r>
+            <a:r>
+              <a:rPr lang="en-US" sz="2400" dirty="0" smtClean="0"/>
+              <a:t> </a:t>
+            </a:r>
+            <a:r>
+              <a:rPr lang="en-US" sz="2400" dirty="0" err="1" smtClean="0"/>
+              <a:t>gần</a:t>
+            </a:r>
+            <a:r>
+              <a:rPr lang="en-US" sz="2400" dirty="0" smtClean="0"/>
+              <a:t> </a:t>
+            </a:r>
+            <a:r>
+              <a:rPr lang="en-US" sz="2400" dirty="0" err="1" smtClean="0"/>
+              <a:t>như</a:t>
+            </a:r>
+            <a:r>
+              <a:rPr lang="en-US" sz="2400" dirty="0" smtClean="0"/>
+              <a:t> </a:t>
+            </a:r>
+            <a:r>
+              <a:rPr lang="en-US" sz="2400" dirty="0" err="1" smtClean="0"/>
+              <a:t>đầy</a:t>
+            </a:r>
+            <a:r>
+              <a:rPr lang="en-US" sz="2400" dirty="0" smtClean="0"/>
+              <a:t> </a:t>
+            </a:r>
+            <a:r>
+              <a:rPr lang="en-US" sz="2400" dirty="0" err="1" smtClean="0"/>
+              <a:t>đủ</a:t>
+            </a:r>
+            <a:r>
+              <a:rPr lang="en-US" sz="2400" dirty="0" smtClean="0"/>
+              <a:t> OpenGL </a:t>
+            </a:r>
+            <a:r>
+              <a:rPr lang="en-US" sz="2400" dirty="0" err="1" smtClean="0"/>
+              <a:t>phiên</a:t>
+            </a:r>
+            <a:r>
+              <a:rPr lang="en-US" sz="2400" dirty="0" smtClean="0"/>
+              <a:t> </a:t>
+            </a:r>
+            <a:r>
+              <a:rPr lang="en-US" sz="2400" dirty="0" err="1" smtClean="0"/>
+              <a:t>bản</a:t>
+            </a:r>
+            <a:r>
+              <a:rPr lang="en-US" sz="2400" dirty="0" smtClean="0"/>
+              <a:t> 1.0 </a:t>
+            </a:r>
+            <a:r>
+              <a:rPr lang="en-US" sz="2400" dirty="0" err="1" smtClean="0"/>
+              <a:t>và</a:t>
+            </a:r>
+            <a:r>
+              <a:rPr lang="en-US" sz="2400" dirty="0" smtClean="0"/>
+              <a:t> 2.0 </a:t>
+            </a:r>
+            <a:r>
+              <a:rPr lang="en-US" sz="2400" dirty="0" err="1" smtClean="0"/>
+              <a:t>từ</a:t>
+            </a:r>
+            <a:r>
+              <a:rPr lang="en-US" sz="2400" dirty="0" smtClean="0"/>
+              <a:t> </a:t>
+            </a:r>
+            <a:r>
+              <a:rPr lang="en-US" sz="2400" dirty="0" err="1" smtClean="0"/>
+              <a:t>phiên</a:t>
+            </a:r>
+            <a:r>
+              <a:rPr lang="en-US" sz="2400" dirty="0" smtClean="0"/>
+              <a:t> </a:t>
+            </a:r>
+            <a:r>
+              <a:rPr lang="en-US" sz="2400" dirty="0" err="1" smtClean="0"/>
+              <a:t>bản</a:t>
+            </a:r>
+            <a:r>
+              <a:rPr lang="en-US" sz="2400" dirty="0" smtClean="0"/>
+              <a:t> 2.2 (API v8)</a:t>
+            </a:r>
+          </a:p>
+          <a:p>
+            <a:r>
+              <a:rPr lang="en-US" sz="2400" dirty="0" err="1" smtClean="0"/>
+              <a:t>Hỗ</a:t>
+            </a:r>
+            <a:r>
+              <a:rPr lang="en-US" sz="2400" dirty="0" smtClean="0"/>
+              <a:t> </a:t>
+            </a:r>
+            <a:r>
+              <a:rPr lang="en-US" sz="2400" dirty="0" err="1" smtClean="0"/>
+              <a:t>trợ</a:t>
+            </a:r>
+            <a:r>
+              <a:rPr lang="en-US" sz="2400" dirty="0" smtClean="0"/>
+              <a:t> </a:t>
+            </a:r>
+            <a:r>
+              <a:rPr lang="en-US" sz="2400" dirty="0" err="1" smtClean="0"/>
+              <a:t>trên</a:t>
+            </a:r>
+            <a:r>
+              <a:rPr lang="en-US" sz="2400" dirty="0" smtClean="0"/>
+              <a:t> 2 </a:t>
+            </a:r>
+            <a:r>
+              <a:rPr lang="en-US" sz="2400" dirty="0" err="1" smtClean="0"/>
+              <a:t>giao</a:t>
+            </a:r>
+            <a:r>
+              <a:rPr lang="en-US" sz="2400" dirty="0" smtClean="0"/>
+              <a:t> </a:t>
+            </a:r>
+            <a:r>
+              <a:rPr lang="en-US" sz="2400" dirty="0" err="1" smtClean="0"/>
+              <a:t>diện</a:t>
+            </a:r>
+            <a:r>
+              <a:rPr lang="en-US" sz="2400" dirty="0" smtClean="0"/>
+              <a:t> </a:t>
+            </a:r>
+            <a:r>
+              <a:rPr lang="en-US" sz="2400" dirty="0" err="1" smtClean="0"/>
+              <a:t>hàm</a:t>
+            </a:r>
+            <a:r>
+              <a:rPr lang="en-US" sz="2400" dirty="0" smtClean="0"/>
+              <a:t> Java </a:t>
+            </a:r>
+            <a:r>
+              <a:rPr lang="en-US" sz="2400" dirty="0" err="1" smtClean="0"/>
+              <a:t>và</a:t>
+            </a:r>
+            <a:r>
+              <a:rPr lang="en-US" sz="2400" dirty="0" smtClean="0"/>
+              <a:t> C/C++ </a:t>
+            </a:r>
+            <a:r>
+              <a:rPr lang="en-US" sz="2400" dirty="0" err="1" smtClean="0"/>
+              <a:t>cho</a:t>
+            </a:r>
+            <a:r>
+              <a:rPr lang="en-US" sz="2400" dirty="0" smtClean="0"/>
+              <a:t> Native.</a:t>
+            </a:r>
+          </a:p>
+          <a:p>
+            <a:r>
+              <a:rPr lang="en-US" sz="2400" dirty="0" err="1" smtClean="0"/>
+              <a:t>Cần</a:t>
+            </a:r>
+            <a:r>
+              <a:rPr lang="en-US" sz="2400" dirty="0" smtClean="0"/>
+              <a:t> </a:t>
+            </a:r>
+            <a:r>
+              <a:rPr lang="en-US" sz="2400" dirty="0" err="1" smtClean="0"/>
+              <a:t>khai</a:t>
+            </a:r>
+            <a:r>
+              <a:rPr lang="en-US" sz="2400" dirty="0" smtClean="0"/>
+              <a:t> </a:t>
+            </a:r>
+            <a:r>
+              <a:rPr lang="en-US" sz="2400" dirty="0" err="1" smtClean="0"/>
+              <a:t>báo</a:t>
+            </a:r>
+            <a:r>
+              <a:rPr lang="en-US" sz="2400" dirty="0" smtClean="0"/>
+              <a:t> (import) </a:t>
+            </a:r>
+            <a:r>
+              <a:rPr lang="en-US" sz="2400" dirty="0" err="1" smtClean="0"/>
+              <a:t>gói</a:t>
+            </a:r>
+            <a:r>
+              <a:rPr lang="en-US" sz="2400" dirty="0" smtClean="0"/>
+              <a:t> “</a:t>
+            </a:r>
+            <a:r>
+              <a:rPr lang="en-US" sz="2400" b="1" dirty="0" err="1" smtClean="0">
+                <a:solidFill>
+                  <a:srgbClr val="FF0000"/>
+                </a:solidFill>
+              </a:rPr>
+              <a:t>android.opengl</a:t>
+            </a:r>
+            <a:r>
+              <a:rPr lang="en-US" sz="2400" dirty="0" smtClean="0"/>
+              <a:t>” </a:t>
+            </a:r>
+            <a:r>
+              <a:rPr lang="en-US" sz="2400" dirty="0" err="1" smtClean="0"/>
+              <a:t>để</a:t>
+            </a:r>
+            <a:r>
+              <a:rPr lang="en-US" sz="2400" dirty="0" smtClean="0"/>
+              <a:t> </a:t>
+            </a:r>
+            <a:r>
+              <a:rPr lang="en-US" sz="2400" dirty="0" err="1" smtClean="0"/>
+              <a:t>sử</a:t>
+            </a:r>
+            <a:r>
+              <a:rPr lang="en-US" sz="2400" dirty="0" smtClean="0"/>
+              <a:t> </a:t>
+            </a:r>
+            <a:r>
+              <a:rPr lang="en-US" sz="2400" dirty="0" err="1" smtClean="0"/>
+              <a:t>dụng</a:t>
+            </a:r>
+            <a:r>
+              <a:rPr lang="en-US" sz="2400" dirty="0" smtClean="0"/>
+              <a:t> </a:t>
+            </a:r>
+            <a:r>
+              <a:rPr lang="en-US" sz="2400" dirty="0" err="1" smtClean="0"/>
+              <a:t>các</a:t>
+            </a:r>
+            <a:r>
+              <a:rPr lang="en-US" sz="2400" dirty="0" smtClean="0"/>
+              <a:t> </a:t>
+            </a:r>
+            <a:r>
+              <a:rPr lang="en-US" sz="2400" dirty="0" err="1" smtClean="0"/>
+              <a:t>thư</a:t>
+            </a:r>
+            <a:r>
+              <a:rPr lang="en-US" sz="2400" dirty="0" smtClean="0"/>
+              <a:t> </a:t>
+            </a:r>
+            <a:r>
+              <a:rPr lang="en-US" sz="2400" dirty="0" err="1" smtClean="0"/>
+              <a:t>viện</a:t>
+            </a:r>
+            <a:r>
+              <a:rPr lang="en-US" sz="2400" dirty="0" smtClean="0"/>
+              <a:t> </a:t>
+            </a:r>
+            <a:r>
+              <a:rPr lang="en-US" sz="2400" dirty="0" err="1" smtClean="0"/>
+              <a:t>của</a:t>
+            </a:r>
+            <a:r>
+              <a:rPr lang="en-US" sz="2400" dirty="0" smtClean="0"/>
+              <a:t> OpenGL</a:t>
+            </a:r>
+          </a:p>
+          <a:p>
+            <a:r>
+              <a:rPr lang="en-US" sz="2400" dirty="0" err="1" smtClean="0"/>
+              <a:t>Cần</a:t>
+            </a:r>
+            <a:r>
+              <a:rPr lang="en-US" sz="2400" dirty="0" smtClean="0"/>
+              <a:t> </a:t>
+            </a:r>
+            <a:r>
+              <a:rPr lang="en-US" sz="2400" dirty="0" err="1" smtClean="0"/>
+              <a:t>chỉ</a:t>
+            </a:r>
+            <a:r>
+              <a:rPr lang="en-US" sz="2400" dirty="0" smtClean="0"/>
+              <a:t> </a:t>
+            </a:r>
+            <a:r>
+              <a:rPr lang="en-US" sz="2400" dirty="0" err="1" smtClean="0"/>
+              <a:t>định</a:t>
+            </a:r>
+            <a:r>
+              <a:rPr lang="en-US" sz="2400" dirty="0" smtClean="0"/>
+              <a:t> </a:t>
+            </a:r>
+            <a:r>
+              <a:rPr lang="en-US" sz="2400" dirty="0" err="1" smtClean="0"/>
+              <a:t>rõ</a:t>
+            </a:r>
+            <a:r>
+              <a:rPr lang="en-US" sz="2400" dirty="0" smtClean="0"/>
+              <a:t> </a:t>
+            </a:r>
+            <a:r>
+              <a:rPr lang="en-US" sz="2400" dirty="0" err="1" smtClean="0"/>
+              <a:t>phiên</a:t>
+            </a:r>
+            <a:r>
+              <a:rPr lang="en-US" sz="2400" dirty="0" smtClean="0"/>
+              <a:t> </a:t>
+            </a:r>
+            <a:r>
+              <a:rPr lang="en-US" sz="2400" dirty="0" err="1" smtClean="0"/>
+              <a:t>phản</a:t>
+            </a:r>
+            <a:r>
+              <a:rPr lang="en-US" sz="2400" dirty="0" smtClean="0"/>
+              <a:t> OpenGL </a:t>
+            </a:r>
+            <a:r>
+              <a:rPr lang="en-US" sz="2400" dirty="0" err="1" smtClean="0"/>
+              <a:t>được</a:t>
+            </a:r>
+            <a:r>
+              <a:rPr lang="en-US" sz="2400" dirty="0" smtClean="0"/>
+              <a:t> </a:t>
+            </a:r>
+            <a:r>
+              <a:rPr lang="en-US" sz="2400" dirty="0" err="1" smtClean="0"/>
+              <a:t>sử</a:t>
+            </a:r>
+            <a:r>
+              <a:rPr lang="en-US" sz="2400" dirty="0" smtClean="0"/>
+              <a:t> </a:t>
+            </a:r>
+            <a:r>
+              <a:rPr lang="en-US" sz="2400" dirty="0" err="1" smtClean="0"/>
+              <a:t>dụng</a:t>
+            </a:r>
+            <a:r>
+              <a:rPr lang="en-US" sz="2400" dirty="0" smtClean="0"/>
+              <a:t> </a:t>
+            </a:r>
+            <a:r>
+              <a:rPr lang="en-US" sz="2400" dirty="0" err="1" smtClean="0"/>
+              <a:t>cho</a:t>
+            </a:r>
+            <a:r>
+              <a:rPr lang="en-US" sz="2400" dirty="0" smtClean="0"/>
+              <a:t> </a:t>
+            </a:r>
+            <a:r>
+              <a:rPr lang="en-US" sz="2400" dirty="0" err="1" smtClean="0"/>
+              <a:t>ứng</a:t>
+            </a:r>
+            <a:r>
+              <a:rPr lang="en-US" sz="2400" dirty="0" smtClean="0"/>
+              <a:t> </a:t>
+            </a:r>
+            <a:r>
+              <a:rPr lang="en-US" sz="2400" dirty="0" err="1" smtClean="0"/>
+              <a:t>dụng</a:t>
+            </a:r>
+            <a:r>
+              <a:rPr lang="en-US" sz="2400" dirty="0" smtClean="0"/>
+              <a:t> </a:t>
+            </a:r>
+            <a:r>
+              <a:rPr lang="en-US" sz="2400" dirty="0" err="1" smtClean="0"/>
+              <a:t>trong</a:t>
+            </a:r>
+            <a:r>
+              <a:rPr lang="en-US" sz="2400" dirty="0" smtClean="0"/>
+              <a:t> AndroidManifest.xml</a:t>
+            </a:r>
+            <a:endParaRPr lang="en-US" sz="2400" dirty="0" smtClean="0"/>
+          </a:p>
+        </p:txBody>
+      </p:sp>
+      <p:sp>
+        <p:nvSpPr>
+          <p:cNvPr id="4" name="Date Placeholder 3"/>
+          <p:cNvSpPr>
+            <a:spLocks noGrp="1"/>
+          </p:cNvSpPr>
+          <p:nvPr>
+            <p:ph type="dt" sz="quarter" idx="10"/>
+          </p:nvPr>
+        </p:nvSpPr>
+        <p:spPr>
+          <a:xfrm>
+            <a:off x="2438400" y="6248400"/>
+            <a:ext cx="2130425" cy="474663"/>
+          </a:xfrm>
+          <a:noFill/>
+        </p:spPr>
+        <p:txBody>
+          <a:bodyPr/>
+          <a:lstStyle/>
+          <a:p>
+            <a:fld id="{CDF6A508-0A9F-4B21-8163-9CBF9D84FA9E}" type="datetime1">
+              <a:rPr lang="vi-VN" smtClean="0"/>
+              <a:pPr/>
+              <a:t>14/11/2011</a:t>
+            </a:fld>
+            <a:endParaRPr lang="en-US" smtClean="0"/>
+          </a:p>
+        </p:txBody>
+      </p:sp>
+      <p:sp>
+        <p:nvSpPr>
+          <p:cNvPr id="5" name="Footer Placeholder 4"/>
+          <p:cNvSpPr>
+            <a:spLocks noGrp="1"/>
+          </p:cNvSpPr>
+          <p:nvPr>
+            <p:ph type="ftr" sz="quarter" idx="11"/>
+          </p:nvPr>
+        </p:nvSpPr>
+        <p:spPr>
+          <a:xfrm>
+            <a:off x="5791200" y="6248400"/>
+            <a:ext cx="2897188" cy="474663"/>
+          </a:xfrm>
+          <a:noFill/>
+        </p:spPr>
+        <p:txBody>
+          <a:bodyPr/>
+          <a:lstStyle/>
+          <a:p>
+            <a:r>
+              <a:rPr lang="en-US" smtClean="0"/>
+              <a:t>Trung Tâm Tin Học - ĐH KHTN         ĐH QG TP.HCM</a:t>
+            </a:r>
+          </a:p>
+        </p:txBody>
+      </p:sp>
+      <p:sp>
+        <p:nvSpPr>
+          <p:cNvPr id="6" name="Slide Number Placeholder 5"/>
+          <p:cNvSpPr>
+            <a:spLocks noGrp="1"/>
+          </p:cNvSpPr>
+          <p:nvPr>
+            <p:ph type="sldNum" sz="quarter" idx="12"/>
+          </p:nvPr>
+        </p:nvSpPr>
+        <p:spPr>
+          <a:xfrm>
+            <a:off x="84138" y="6242050"/>
+            <a:ext cx="587375" cy="488950"/>
+          </a:xfrm>
+          <a:noFill/>
+        </p:spPr>
+        <p:txBody>
+          <a:bodyPr/>
+          <a:lstStyle/>
+          <a:p>
+            <a:fld id="{E940348B-3C2C-48B3-8E4D-E02C5B09B416}" type="slidenum">
+              <a:rPr lang="en-US" smtClean="0"/>
+              <a:pPr/>
+              <a:t>4</a:t>
+            </a:fld>
             <a:endParaRPr lang="en-US" smtClean="0"/>
           </a:p>
         </p:txBody>
@@ -5354,31 +6122,65 @@
       </p:grpSpPr>
       <p:sp>
         <p:nvSpPr>
-          <p:cNvPr id="20481" name="Rectangle 2"/>
-          <p:cNvSpPr>
-            <a:spLocks noGrp="1" noChangeArrowheads="1"/>
+          <p:cNvPr id="2" name="Title 1"/>
+          <p:cNvSpPr>
+            <a:spLocks noGrp="1"/>
           </p:cNvSpPr>
           <p:nvPr>
             <p:ph type="title"/>
           </p:nvPr>
         </p:nvSpPr>
-        <p:spPr/>
+        <p:spPr>
+          <a:xfrm>
+            <a:off x="762000" y="762000"/>
+            <a:ext cx="7924800" cy="609600"/>
+          </a:xfrm>
+        </p:spPr>
         <p:txBody>
           <a:bodyPr/>
           <a:lstStyle/>
           <a:p>
-            <a:endParaRPr lang="en-US" smtClean="0"/>
-          </a:p>
-        </p:txBody>
-      </p:sp>
-      <p:sp>
-        <p:nvSpPr>
-          <p:cNvPr id="20482" name="Rectangle 3"/>
-          <p:cNvSpPr>
-            <a:spLocks noGrp="1" noChangeArrowheads="1"/>
-          </p:cNvSpPr>
-          <p:nvPr>
-            <p:ph type="body" idx="1"/>
+            <a:pPr algn="r"/>
+            <a:r>
+              <a:rPr lang="en-US" sz="2400" dirty="0" err="1" smtClean="0"/>
+              <a:t>Khai</a:t>
+            </a:r>
+            <a:r>
+              <a:rPr lang="en-US" sz="2400" dirty="0" smtClean="0"/>
+              <a:t> </a:t>
+            </a:r>
+            <a:r>
+              <a:rPr lang="en-US" sz="2400" dirty="0" err="1" smtClean="0"/>
+              <a:t>báo</a:t>
+            </a:r>
+            <a:r>
+              <a:rPr lang="en-US" sz="2400" dirty="0" smtClean="0"/>
+              <a:t> OpenGL version </a:t>
+            </a:r>
+            <a:r>
+              <a:rPr lang="en-US" sz="2400" dirty="0" err="1" smtClean="0"/>
+              <a:t>trong</a:t>
+            </a:r>
+            <a:r>
+              <a:rPr lang="en-US" sz="2400" dirty="0" smtClean="0"/>
+              <a:t> </a:t>
+            </a:r>
+            <a:r>
+              <a:rPr lang="en-US" sz="2400" dirty="0" err="1" smtClean="0"/>
+              <a:t>AndroidManifest</a:t>
+            </a:r>
+            <a:endParaRPr lang="en-US" sz="2400" dirty="0"/>
+          </a:p>
+        </p:txBody>
+      </p:sp>
+      <p:sp>
+        <p:nvSpPr>
+          <p:cNvPr id="3" name="Content Placeholder 2"/>
+          <p:cNvSpPr>
+            <a:spLocks noGrp="1"/>
+          </p:cNvSpPr>
+          <p:nvPr>
+            <p:ph idx="1"/>
           </p:nvPr>
         </p:nvSpPr>
         <p:spPr/>
@@ -5386,7 +6188,436 @@
           <a:bodyPr/>
           <a:lstStyle/>
           <a:p>
-            <a:endParaRPr lang="en-US" smtClean="0"/>
+            <a:r>
+              <a:rPr lang="en-US" dirty="0" err="1" smtClean="0"/>
+              <a:t>Cấu</a:t>
+            </a:r>
+            <a:r>
+              <a:rPr lang="en-US" dirty="0" smtClean="0"/>
+              <a:t> </a:t>
+            </a:r>
+            <a:r>
+              <a:rPr lang="en-US" dirty="0" err="1" smtClean="0"/>
+              <a:t>trúc</a:t>
+            </a:r>
+            <a:r>
+              <a:rPr lang="en-US" dirty="0" smtClean="0"/>
+              <a:t>: </a:t>
+            </a:r>
+          </a:p>
+          <a:p>
+            <a:pPr>
+              <a:buNone/>
+            </a:pPr>
+            <a:r>
+              <a:rPr lang="en-US" dirty="0" smtClean="0"/>
+              <a:t>	</a:t>
+            </a:r>
+            <a:r>
+              <a:rPr lang="en-US" sz="1600" dirty="0" smtClean="0"/>
+              <a:t>&lt;uses-feature </a:t>
+            </a:r>
+            <a:r>
+              <a:rPr lang="en-US" sz="1600" dirty="0" err="1" smtClean="0"/>
+              <a:t>android:</a:t>
+            </a:r>
+            <a:r>
+              <a:rPr lang="en-US" sz="1600" b="1" dirty="0" err="1" smtClean="0"/>
+              <a:t>glEsVersion</a:t>
+            </a:r>
+            <a:r>
+              <a:rPr lang="en-US" sz="1600" dirty="0" smtClean="0"/>
+              <a:t>="</a:t>
+            </a:r>
+            <a:r>
+              <a:rPr lang="en-US" sz="1600" b="1" dirty="0" smtClean="0"/>
+              <a:t>0x00020000</a:t>
+            </a:r>
+            <a:r>
+              <a:rPr lang="en-US" sz="1600" dirty="0" smtClean="0"/>
+              <a:t>" </a:t>
+            </a:r>
+            <a:r>
+              <a:rPr lang="en-US" sz="1600" dirty="0" err="1" smtClean="0"/>
+              <a:t>android:</a:t>
+            </a:r>
+            <a:r>
+              <a:rPr lang="en-US" sz="1600" b="1" dirty="0" err="1" smtClean="0"/>
+              <a:t>required</a:t>
+            </a:r>
+            <a:r>
+              <a:rPr lang="en-US" sz="1600" dirty="0" smtClean="0"/>
+              <a:t>="</a:t>
+            </a:r>
+            <a:r>
+              <a:rPr lang="en-US" sz="1600" b="1" dirty="0" smtClean="0"/>
+              <a:t>true</a:t>
+            </a:r>
+            <a:r>
+              <a:rPr lang="en-US" sz="1600" dirty="0" smtClean="0"/>
+              <a:t>" </a:t>
+            </a:r>
+            <a:r>
+              <a:rPr lang="en-US" sz="1600" dirty="0" smtClean="0"/>
+              <a:t>/&gt;</a:t>
+            </a:r>
+          </a:p>
+          <a:p>
+            <a:pPr>
+              <a:buNone/>
+            </a:pPr>
+            <a:r>
+              <a:rPr lang="en-US" sz="1600" dirty="0" smtClean="0"/>
+              <a:t>	</a:t>
+            </a:r>
+            <a:r>
+              <a:rPr lang="en-US" sz="1600" dirty="0" smtClean="0">
+                <a:sym typeface="Wingdings" pitchFamily="2" charset="2"/>
+              </a:rPr>
+              <a:t> </a:t>
+            </a:r>
+            <a:r>
+              <a:rPr lang="en-US" sz="1600" dirty="0" err="1" smtClean="0">
+                <a:sym typeface="Wingdings" pitchFamily="2" charset="2"/>
+              </a:rPr>
+              <a:t>thông</a:t>
+            </a:r>
+            <a:r>
+              <a:rPr lang="en-US" sz="1600" dirty="0" smtClean="0">
+                <a:sym typeface="Wingdings" pitchFamily="2" charset="2"/>
+              </a:rPr>
+              <a:t> </a:t>
+            </a:r>
+            <a:r>
+              <a:rPr lang="en-US" sz="1600" dirty="0" err="1" smtClean="0">
+                <a:sym typeface="Wingdings" pitchFamily="2" charset="2"/>
+              </a:rPr>
+              <a:t>báo</a:t>
+            </a:r>
+            <a:r>
+              <a:rPr lang="en-US" sz="1600" dirty="0" smtClean="0">
+                <a:sym typeface="Wingdings" pitchFamily="2" charset="2"/>
+              </a:rPr>
+              <a:t> </a:t>
+            </a:r>
+            <a:r>
+              <a:rPr lang="en-US" sz="1600" dirty="0" err="1" smtClean="0">
+                <a:sym typeface="Wingdings" pitchFamily="2" charset="2"/>
+              </a:rPr>
+              <a:t>ứng</a:t>
+            </a:r>
+            <a:r>
+              <a:rPr lang="en-US" sz="1600" dirty="0" smtClean="0">
+                <a:sym typeface="Wingdings" pitchFamily="2" charset="2"/>
+              </a:rPr>
+              <a:t> </a:t>
+            </a:r>
+            <a:r>
+              <a:rPr lang="en-US" sz="1600" dirty="0" err="1" smtClean="0">
+                <a:sym typeface="Wingdings" pitchFamily="2" charset="2"/>
+              </a:rPr>
+              <a:t>dụng</a:t>
+            </a:r>
+            <a:r>
+              <a:rPr lang="en-US" sz="1600" dirty="0" smtClean="0">
+                <a:sym typeface="Wingdings" pitchFamily="2" charset="2"/>
+              </a:rPr>
+              <a:t> </a:t>
+            </a:r>
+            <a:r>
+              <a:rPr lang="en-US" sz="1600" dirty="0" err="1" smtClean="0">
+                <a:sym typeface="Wingdings" pitchFamily="2" charset="2"/>
+              </a:rPr>
+              <a:t>sử</a:t>
+            </a:r>
+            <a:r>
+              <a:rPr lang="en-US" sz="1600" dirty="0" smtClean="0">
+                <a:sym typeface="Wingdings" pitchFamily="2" charset="2"/>
+              </a:rPr>
+              <a:t> </a:t>
+            </a:r>
+            <a:r>
+              <a:rPr lang="en-US" sz="1600" dirty="0" err="1" smtClean="0">
+                <a:sym typeface="Wingdings" pitchFamily="2" charset="2"/>
+              </a:rPr>
+              <a:t>dụng</a:t>
+            </a:r>
+            <a:r>
+              <a:rPr lang="en-US" sz="1600" dirty="0" smtClean="0">
+                <a:sym typeface="Wingdings" pitchFamily="2" charset="2"/>
+              </a:rPr>
+              <a:t> </a:t>
+            </a:r>
+            <a:r>
+              <a:rPr lang="en-US" sz="1600" dirty="0" err="1" smtClean="0">
+                <a:sym typeface="Wingdings" pitchFamily="2" charset="2"/>
+              </a:rPr>
+              <a:t>thư</a:t>
+            </a:r>
+            <a:r>
+              <a:rPr lang="en-US" sz="1600" dirty="0" smtClean="0">
+                <a:sym typeface="Wingdings" pitchFamily="2" charset="2"/>
+              </a:rPr>
+              <a:t> </a:t>
+            </a:r>
+            <a:r>
+              <a:rPr lang="en-US" sz="1600" dirty="0" err="1" smtClean="0">
+                <a:sym typeface="Wingdings" pitchFamily="2" charset="2"/>
+              </a:rPr>
+              <a:t>viện</a:t>
+            </a:r>
+            <a:r>
+              <a:rPr lang="en-US" sz="1600" dirty="0" smtClean="0">
+                <a:sym typeface="Wingdings" pitchFamily="2" charset="2"/>
+              </a:rPr>
+              <a:t> </a:t>
+            </a:r>
+            <a:r>
+              <a:rPr lang="en-US" sz="1600" dirty="0" err="1" smtClean="0">
+                <a:sym typeface="Wingdings" pitchFamily="2" charset="2"/>
+              </a:rPr>
+              <a:t>hàm</a:t>
+            </a:r>
+            <a:r>
+              <a:rPr lang="en-US" sz="1600" dirty="0" smtClean="0">
+                <a:sym typeface="Wingdings" pitchFamily="2" charset="2"/>
+              </a:rPr>
+              <a:t> OpenGL 2.0</a:t>
+            </a:r>
+            <a:endParaRPr lang="en-US" dirty="0" smtClean="0"/>
+          </a:p>
+          <a:p>
+            <a:r>
+              <a:rPr lang="en-US" dirty="0" err="1" smtClean="0"/>
+              <a:t>Thư</a:t>
+            </a:r>
+            <a:r>
+              <a:rPr lang="en-US" dirty="0" smtClean="0"/>
+              <a:t> </a:t>
+            </a:r>
+            <a:r>
+              <a:rPr lang="en-US" dirty="0" err="1" smtClean="0"/>
+              <a:t>viện</a:t>
+            </a:r>
+            <a:r>
+              <a:rPr lang="en-US" dirty="0" smtClean="0"/>
+              <a:t> </a:t>
+            </a:r>
+            <a:r>
+              <a:rPr lang="en-US" dirty="0" err="1" smtClean="0"/>
+              <a:t>mặc</a:t>
+            </a:r>
+            <a:r>
+              <a:rPr lang="en-US" dirty="0" smtClean="0"/>
+              <a:t> </a:t>
+            </a:r>
+            <a:r>
+              <a:rPr lang="en-US" dirty="0" err="1" smtClean="0"/>
+              <a:t>định</a:t>
+            </a:r>
+            <a:r>
+              <a:rPr lang="en-US" dirty="0" smtClean="0"/>
+              <a:t>: 1.0</a:t>
+            </a:r>
+          </a:p>
+          <a:p>
+            <a:r>
+              <a:rPr lang="en-US" dirty="0" err="1" smtClean="0"/>
+              <a:t>Các</a:t>
+            </a:r>
+            <a:r>
+              <a:rPr lang="en-US" dirty="0" smtClean="0"/>
+              <a:t> </a:t>
+            </a:r>
+            <a:r>
+              <a:rPr lang="en-US" dirty="0" err="1" smtClean="0"/>
+              <a:t>giá</a:t>
+            </a:r>
+            <a:r>
+              <a:rPr lang="en-US" dirty="0" smtClean="0"/>
+              <a:t> </a:t>
+            </a:r>
+            <a:r>
+              <a:rPr lang="en-US" dirty="0" err="1" smtClean="0"/>
+              <a:t>trị</a:t>
+            </a:r>
+            <a:r>
+              <a:rPr lang="en-US" dirty="0" smtClean="0"/>
+              <a:t>: </a:t>
+            </a:r>
+          </a:p>
+          <a:p>
+            <a:pPr lvl="1"/>
+            <a:r>
+              <a:rPr lang="en-US" dirty="0" smtClean="0"/>
+              <a:t>“</a:t>
+            </a:r>
+            <a:r>
+              <a:rPr lang="en-US" b="1" dirty="0" smtClean="0"/>
+              <a:t>0x00020000</a:t>
+            </a:r>
+            <a:r>
+              <a:rPr lang="en-US" dirty="0" smtClean="0"/>
+              <a:t>”: </a:t>
+            </a:r>
+            <a:r>
+              <a:rPr lang="en-US" dirty="0" smtClean="0">
+                <a:sym typeface="Wingdings" pitchFamily="2" charset="2"/>
+              </a:rPr>
+              <a:t> OpenGL 2.0</a:t>
+            </a:r>
+          </a:p>
+          <a:p>
+            <a:pPr lvl="1"/>
+            <a:r>
+              <a:rPr lang="en-US" dirty="0" smtClean="0">
+                <a:sym typeface="Wingdings" pitchFamily="2" charset="2"/>
+              </a:rPr>
+              <a:t>“</a:t>
+            </a:r>
+            <a:r>
+              <a:rPr lang="en-US" b="1" dirty="0" smtClean="0"/>
+              <a:t>0x00020001</a:t>
+            </a:r>
+            <a:r>
+              <a:rPr lang="en-US" dirty="0" smtClean="0">
+                <a:sym typeface="Wingdings" pitchFamily="2" charset="2"/>
+              </a:rPr>
+              <a:t>”:  OpenGL 2.1</a:t>
+            </a:r>
+          </a:p>
+          <a:p>
+            <a:r>
+              <a:rPr lang="en-US" dirty="0" err="1" smtClean="0">
+                <a:sym typeface="Wingdings" pitchFamily="2" charset="2"/>
+              </a:rPr>
+              <a:t>Thẻ</a:t>
+            </a:r>
+            <a:r>
+              <a:rPr lang="en-US" dirty="0" smtClean="0">
+                <a:sym typeface="Wingdings" pitchFamily="2" charset="2"/>
+              </a:rPr>
+              <a:t> </a:t>
+            </a:r>
+            <a:r>
+              <a:rPr lang="en-US" dirty="0" err="1" smtClean="0">
+                <a:sym typeface="Wingdings" pitchFamily="2" charset="2"/>
+              </a:rPr>
+              <a:t>mở</a:t>
+            </a:r>
+            <a:r>
+              <a:rPr lang="en-US" dirty="0" smtClean="0">
+                <a:sym typeface="Wingdings" pitchFamily="2" charset="2"/>
+              </a:rPr>
+              <a:t> </a:t>
+            </a:r>
+            <a:r>
+              <a:rPr lang="en-US" dirty="0" err="1" smtClean="0">
+                <a:sym typeface="Wingdings" pitchFamily="2" charset="2"/>
+              </a:rPr>
+              <a:t>rộng</a:t>
+            </a:r>
+            <a:r>
+              <a:rPr lang="en-US" dirty="0" smtClean="0">
+                <a:sym typeface="Wingdings" pitchFamily="2" charset="2"/>
+              </a:rPr>
+              <a:t>: </a:t>
+            </a:r>
+          </a:p>
+          <a:p>
+            <a:pPr lvl="1"/>
+            <a:r>
+              <a:rPr lang="en-US" b="1" dirty="0" smtClean="0"/>
+              <a:t>&lt;supports-</a:t>
+            </a:r>
+            <a:r>
+              <a:rPr lang="en-US" b="1" dirty="0" err="1" smtClean="0"/>
+              <a:t>gl</a:t>
+            </a:r>
+            <a:r>
+              <a:rPr lang="en-US" b="1" dirty="0" smtClean="0"/>
+              <a:t>-texture</a:t>
+            </a:r>
+            <a:r>
+              <a:rPr lang="en-US" b="1" dirty="0" smtClean="0"/>
+              <a:t>&gt;</a:t>
+            </a:r>
+            <a:endParaRPr lang="en-US" b="1" dirty="0" smtClean="0"/>
+          </a:p>
+        </p:txBody>
+      </p:sp>
+      <p:sp>
+        <p:nvSpPr>
+          <p:cNvPr id="5" name="Footer Placeholder 4"/>
+          <p:cNvSpPr>
+            <a:spLocks noGrp="1"/>
+          </p:cNvSpPr>
+          <p:nvPr>
+            <p:ph type="ftr" sz="quarter" idx="11"/>
+          </p:nvPr>
+        </p:nvSpPr>
+        <p:spPr/>
+        <p:txBody>
+          <a:bodyPr/>
+          <a:lstStyle/>
+          <a:p>
+            <a:pPr>
+              <a:defRPr/>
+            </a:pPr>
+            <a:r>
+              <a:rPr lang="en-US" dirty="0" err="1" smtClean="0"/>
+              <a:t>Trung</a:t>
+            </a:r>
+            <a:r>
+              <a:rPr lang="en-US" dirty="0" smtClean="0"/>
+              <a:t> </a:t>
+            </a:r>
+            <a:r>
+              <a:rPr lang="en-US" dirty="0" err="1" smtClean="0"/>
+              <a:t>Tâm</a:t>
+            </a:r>
+            <a:r>
+              <a:rPr lang="en-US" dirty="0" smtClean="0"/>
+              <a:t> Tin </a:t>
+            </a:r>
+            <a:r>
+              <a:rPr lang="en-US" dirty="0" err="1" smtClean="0"/>
+              <a:t>Học</a:t>
+            </a:r>
+            <a:r>
+              <a:rPr lang="en-US" dirty="0" smtClean="0"/>
+              <a:t> - ĐH KHTN         ĐH QG TP.HCM</a:t>
+            </a:r>
+            <a:endParaRPr lang="en-US" dirty="0"/>
+          </a:p>
+        </p:txBody>
+      </p:sp>
+      <p:sp>
+        <p:nvSpPr>
+          <p:cNvPr id="6" name="Slide Number Placeholder 5"/>
+          <p:cNvSpPr>
+            <a:spLocks noGrp="1"/>
+          </p:cNvSpPr>
+          <p:nvPr>
+            <p:ph type="sldNum" sz="quarter" idx="12"/>
+          </p:nvPr>
+        </p:nvSpPr>
+        <p:spPr/>
+        <p:txBody>
+          <a:bodyPr/>
+          <a:lstStyle/>
+          <a:p>
+            <a:pPr>
+              <a:defRPr/>
+            </a:pPr>
+            <a:fld id="{FAD8CA80-D256-40E5-B64B-EBBE75738043}" type="slidenum">
+              <a:rPr lang="en-US" smtClean="0"/>
+              <a:pPr>
+                <a:defRPr/>
+              </a:pPr>
+              <a:t>5</a:t>
+            </a:fld>
+            <a:endParaRPr lang="en-US"/>
           </a:p>
         </p:txBody>
       </p:sp>
@@ -5417,6 +6648,1065 @@
       </p:grpSpPr>
       <p:sp>
         <p:nvSpPr>
+          <p:cNvPr id="20481" name="Rectangle 2"/>
+          <p:cNvSpPr>
+            <a:spLocks noGrp="1" noChangeArrowheads="1"/>
+          </p:cNvSpPr>
+          <p:nvPr>
+            <p:ph type="title"/>
+          </p:nvPr>
+        </p:nvSpPr>
+        <p:spPr>
+          <a:xfrm>
+            <a:off x="762000" y="762000"/>
+            <a:ext cx="7924800" cy="1219200"/>
+          </a:xfrm>
+        </p:spPr>
+        <p:txBody>
+          <a:bodyPr/>
+          <a:lstStyle/>
+          <a:p>
+            <a:pPr algn="r"/>
+            <a:r>
+              <a:rPr lang="en-US" dirty="0" err="1" smtClean="0"/>
+              <a:t>Sử</a:t>
+            </a:r>
+            <a:r>
+              <a:rPr lang="en-US" dirty="0" smtClean="0"/>
+              <a:t> </a:t>
+            </a:r>
+            <a:r>
+              <a:rPr lang="en-US" dirty="0" err="1" smtClean="0"/>
+              <a:t>dụng</a:t>
+            </a:r>
+            <a:r>
+              <a:rPr lang="en-US" dirty="0" smtClean="0"/>
+              <a:t> </a:t>
+            </a:r>
+            <a:r>
+              <a:rPr lang="en-US" dirty="0" smtClean="0"/>
+              <a:t>OpenGL APIs</a:t>
+            </a:r>
+            <a:br>
+              <a:rPr lang="en-US" dirty="0" smtClean="0"/>
+            </a:br>
+            <a:r>
+              <a:rPr lang="en-US" dirty="0" smtClean="0"/>
+              <a:t> </a:t>
+            </a:r>
+            <a:r>
+              <a:rPr lang="en-US" sz="1600" b="0" dirty="0" smtClean="0">
+                <a:hlinkClick r:id="rId2"/>
+              </a:rPr>
+              <a:t>http://</a:t>
+            </a:r>
+            <a:r>
+              <a:rPr lang="en-US" sz="1600" b="0" dirty="0" smtClean="0">
+                <a:hlinkClick r:id="rId2"/>
+              </a:rPr>
+              <a:t>developer.android.com/resources/tutorials/opengl/opengl-es10.html</a:t>
+            </a:r>
+            <a:endParaRPr lang="en-US" b="0" dirty="0" smtClean="0"/>
+          </a:p>
+        </p:txBody>
+      </p:sp>
+      <p:sp>
+        <p:nvSpPr>
+          <p:cNvPr id="20482" name="Rectangle 3"/>
+          <p:cNvSpPr>
+            <a:spLocks noGrp="1" noChangeArrowheads="1"/>
+          </p:cNvSpPr>
+          <p:nvPr>
+            <p:ph type="body" idx="1"/>
+          </p:nvPr>
+        </p:nvSpPr>
+        <p:spPr/>
+        <p:txBody>
+          <a:bodyPr/>
+          <a:lstStyle/>
+          <a:p>
+            <a:r>
+              <a:rPr lang="en-US" dirty="0" smtClean="0"/>
+              <a:t>Android </a:t>
+            </a:r>
+            <a:r>
+              <a:rPr lang="en-US" dirty="0" err="1" smtClean="0"/>
+              <a:t>định</a:t>
+            </a:r>
+            <a:r>
+              <a:rPr lang="en-US" dirty="0" smtClean="0"/>
+              <a:t> </a:t>
+            </a:r>
+            <a:r>
+              <a:rPr lang="en-US" dirty="0" err="1" smtClean="0"/>
+              <a:t>nghĩa</a:t>
+            </a:r>
+            <a:r>
+              <a:rPr lang="en-US" dirty="0" smtClean="0"/>
+              <a:t> </a:t>
+            </a:r>
+            <a:r>
+              <a:rPr lang="en-US" dirty="0" err="1" smtClean="0"/>
+              <a:t>lớp</a:t>
+            </a:r>
+            <a:r>
+              <a:rPr lang="en-US" dirty="0" smtClean="0"/>
+              <a:t> </a:t>
+            </a:r>
+            <a:r>
+              <a:rPr lang="en-US" dirty="0" err="1" smtClean="0"/>
+              <a:t>GLSurfaceView</a:t>
+            </a:r>
+            <a:r>
+              <a:rPr lang="en-US" dirty="0" smtClean="0"/>
+              <a:t> </a:t>
+            </a:r>
+            <a:r>
+              <a:rPr lang="en-US" dirty="0" err="1" smtClean="0"/>
+              <a:t>và</a:t>
+            </a:r>
+            <a:r>
+              <a:rPr lang="en-US" dirty="0" smtClean="0"/>
+              <a:t> </a:t>
+            </a:r>
+            <a:r>
+              <a:rPr lang="en-US" dirty="0" err="1" smtClean="0"/>
+              <a:t>GLSurfaceView.Render</a:t>
+            </a:r>
+            <a:r>
+              <a:rPr lang="en-US" dirty="0" smtClean="0"/>
+              <a:t> </a:t>
+            </a:r>
+            <a:r>
+              <a:rPr lang="en-US" dirty="0" err="1" smtClean="0"/>
+              <a:t>để</a:t>
+            </a:r>
+            <a:r>
+              <a:rPr lang="en-US" dirty="0" smtClean="0"/>
+              <a:t> </a:t>
+            </a:r>
+            <a:r>
+              <a:rPr lang="en-US" dirty="0" err="1" smtClean="0"/>
+              <a:t>xử</a:t>
+            </a:r>
+            <a:r>
+              <a:rPr lang="en-US" dirty="0" smtClean="0"/>
+              <a:t> </a:t>
+            </a:r>
+            <a:r>
+              <a:rPr lang="en-US" dirty="0" err="1" smtClean="0"/>
+              <a:t>lý</a:t>
+            </a:r>
+            <a:r>
+              <a:rPr lang="en-US" dirty="0" smtClean="0"/>
+              <a:t> </a:t>
+            </a:r>
+            <a:r>
+              <a:rPr lang="en-US" dirty="0" err="1" smtClean="0"/>
+              <a:t>với</a:t>
+            </a:r>
+            <a:r>
+              <a:rPr lang="en-US" dirty="0" smtClean="0"/>
+              <a:t> </a:t>
+            </a:r>
+            <a:r>
+              <a:rPr lang="en-US" dirty="0" err="1" smtClean="0"/>
+              <a:t>các</a:t>
+            </a:r>
+            <a:r>
+              <a:rPr lang="en-US" dirty="0" smtClean="0"/>
+              <a:t> </a:t>
+            </a:r>
+            <a:r>
+              <a:rPr lang="en-US" dirty="0" err="1" smtClean="0"/>
+              <a:t>giao</a:t>
+            </a:r>
+            <a:r>
+              <a:rPr lang="en-US" dirty="0" smtClean="0"/>
+              <a:t> </a:t>
+            </a:r>
+            <a:r>
+              <a:rPr lang="en-US" dirty="0" err="1" smtClean="0"/>
+              <a:t>diện</a:t>
+            </a:r>
+            <a:r>
+              <a:rPr lang="en-US" dirty="0" smtClean="0"/>
+              <a:t> </a:t>
+            </a:r>
+            <a:r>
+              <a:rPr lang="en-US" dirty="0" err="1" smtClean="0"/>
+              <a:t>có</a:t>
+            </a:r>
+            <a:r>
+              <a:rPr lang="en-US" dirty="0" smtClean="0"/>
+              <a:t> </a:t>
+            </a:r>
+            <a:r>
+              <a:rPr lang="en-US" dirty="0" err="1" smtClean="0"/>
+              <a:t>sử</a:t>
+            </a:r>
+            <a:r>
+              <a:rPr lang="en-US" dirty="0" smtClean="0"/>
+              <a:t> </a:t>
+            </a:r>
+            <a:r>
+              <a:rPr lang="en-US" dirty="0" err="1" smtClean="0"/>
+              <a:t>dụng</a:t>
+            </a:r>
+            <a:r>
+              <a:rPr lang="en-US" dirty="0" smtClean="0"/>
+              <a:t> </a:t>
+            </a:r>
+            <a:r>
+              <a:rPr lang="en-US" dirty="0" err="1" smtClean="0"/>
+              <a:t>yếu</a:t>
+            </a:r>
+            <a:r>
+              <a:rPr lang="en-US" dirty="0" smtClean="0"/>
+              <a:t> </a:t>
+            </a:r>
+            <a:r>
+              <a:rPr lang="en-US" dirty="0" err="1" smtClean="0"/>
+              <a:t>tố</a:t>
+            </a:r>
+            <a:r>
+              <a:rPr lang="en-US" dirty="0" smtClean="0"/>
+              <a:t> </a:t>
+            </a:r>
+            <a:r>
+              <a:rPr lang="en-US" dirty="0" err="1" smtClean="0"/>
+              <a:t>đồ</a:t>
+            </a:r>
+            <a:r>
+              <a:rPr lang="en-US" dirty="0" smtClean="0"/>
+              <a:t> </a:t>
+            </a:r>
+            <a:r>
+              <a:rPr lang="en-US" dirty="0" err="1" smtClean="0"/>
+              <a:t>họa</a:t>
+            </a:r>
+            <a:r>
+              <a:rPr lang="en-US" dirty="0" smtClean="0"/>
+              <a:t> OpenGL.</a:t>
+            </a:r>
+          </a:p>
+          <a:p>
+            <a:pPr>
+              <a:buNone/>
+            </a:pPr>
+            <a:endParaRPr lang="en-US" dirty="0" smtClean="0"/>
+          </a:p>
+          <a:p>
+            <a:pPr>
+              <a:buNone/>
+            </a:pPr>
+            <a:endParaRPr lang="en-US" dirty="0" smtClean="0"/>
+          </a:p>
+        </p:txBody>
+      </p:sp>
+      <p:pic>
+        <p:nvPicPr>
+          <p:cNvPr id="1026" name="Picture 2"/>
+          <p:cNvPicPr>
+            <a:picLocks noChangeAspect="1" noChangeArrowheads="1"/>
+          </p:cNvPicPr>
+          <p:nvPr/>
+        </p:nvPicPr>
+        <p:blipFill>
+          <a:blip r:embed="rId3"/>
+          <a:srcRect/>
+          <a:stretch>
+            <a:fillRect/>
+          </a:stretch>
+        </p:blipFill>
+        <p:spPr bwMode="auto">
+          <a:xfrm>
+            <a:off x="762000" y="3810000"/>
+            <a:ext cx="3047605" cy="2362200"/>
+          </a:xfrm>
+          <a:prstGeom prst="rect">
+            <a:avLst/>
+          </a:prstGeom>
+          <a:noFill/>
+          <a:ln w="9525">
+            <a:noFill/>
+            <a:miter lim="800000"/>
+            <a:headEnd/>
+            <a:tailEnd/>
+          </a:ln>
+          <a:effectLst/>
+        </p:spPr>
+      </p:pic>
+      <p:pic>
+        <p:nvPicPr>
+          <p:cNvPr id="1027" name="Picture 3"/>
+          <p:cNvPicPr>
+            <a:picLocks noChangeAspect="1" noChangeArrowheads="1"/>
+          </p:cNvPicPr>
+          <p:nvPr/>
+        </p:nvPicPr>
+        <p:blipFill>
+          <a:blip r:embed="rId4"/>
+          <a:srcRect/>
+          <a:stretch>
+            <a:fillRect/>
+          </a:stretch>
+        </p:blipFill>
+        <p:spPr bwMode="auto">
+          <a:xfrm>
+            <a:off x="4114800" y="3657600"/>
+            <a:ext cx="5029200" cy="3084576"/>
+          </a:xfrm>
+          <a:prstGeom prst="rect">
+            <a:avLst/>
+          </a:prstGeom>
+          <a:noFill/>
+          <a:ln w="9525">
+            <a:noFill/>
+            <a:miter lim="800000"/>
+            <a:headEnd/>
+            <a:tailEnd/>
+          </a:ln>
+          <a:effectLst/>
+        </p:spPr>
+      </p:pic>
+    </p:spTree>
+  </p:cSld>
+  <p:clrMapOvr>
+    <a:masterClrMapping/>
+  </p:clrMapOvr>
+</p:sld>
+</file>
+
+<file path=ppt/slides/slide7.xml><?xml version="1.0" encoding="utf-8"?>
+<p:sld xmlns:a="http://schemas.openxmlformats.org/drawingml/2006/main" xmlns:r="http://schemas.openxmlformats.org/officeDocument/2006/relationships" xmlns:p="http://schemas.openxmlformats.org/presentationml/2006/main">
+  <p:cSld>
+    <p:spTree>
+      <p:nvGrpSpPr>
+        <p:cNvPr id="1" name=""/>
+        <p:cNvGrpSpPr/>
+        <p:nvPr/>
+      </p:nvGrpSpPr>
+      <p:grpSpPr>
+        <a:xfrm>
+          <a:off x="0" y="0"/>
+          <a:ext cx="0" cy="0"/>
+          <a:chOff x="0" y="0"/>
+          <a:chExt cx="0" cy="0"/>
+        </a:xfrm>
+      </p:grpSpPr>
+      <p:sp>
+        <p:nvSpPr>
+          <p:cNvPr id="2" name="Title 1"/>
+          <p:cNvSpPr>
+            <a:spLocks noGrp="1"/>
+          </p:cNvSpPr>
+          <p:nvPr>
+            <p:ph type="title"/>
+          </p:nvPr>
+        </p:nvSpPr>
+        <p:spPr>
+          <a:xfrm>
+            <a:off x="762000" y="762000"/>
+            <a:ext cx="7924800" cy="609600"/>
+          </a:xfrm>
+        </p:spPr>
+        <p:txBody>
+          <a:bodyPr/>
+          <a:lstStyle/>
+          <a:p>
+            <a:pPr algn="r"/>
+            <a:r>
+              <a:rPr lang="en-US" dirty="0" err="1" smtClean="0"/>
+              <a:t>Sử</a:t>
+            </a:r>
+            <a:r>
+              <a:rPr lang="en-US" dirty="0" smtClean="0"/>
+              <a:t> </a:t>
+            </a:r>
+            <a:r>
+              <a:rPr lang="en-US" dirty="0" err="1" smtClean="0"/>
+              <a:t>dụng</a:t>
+            </a:r>
+            <a:r>
+              <a:rPr lang="en-US" dirty="0" smtClean="0"/>
+              <a:t> OpenGL APIs</a:t>
+            </a:r>
+            <a:endParaRPr lang="en-US" dirty="0"/>
+          </a:p>
+        </p:txBody>
+      </p:sp>
+      <p:sp>
+        <p:nvSpPr>
+          <p:cNvPr id="3" name="Content Placeholder 2"/>
+          <p:cNvSpPr>
+            <a:spLocks noGrp="1"/>
+          </p:cNvSpPr>
+          <p:nvPr>
+            <p:ph idx="1"/>
+          </p:nvPr>
+        </p:nvSpPr>
+        <p:spPr/>
+        <p:txBody>
+          <a:bodyPr/>
+          <a:lstStyle/>
+          <a:p>
+            <a:r>
+              <a:rPr lang="en-US" dirty="0" err="1" smtClean="0"/>
+              <a:t>Chuẩn</a:t>
+            </a:r>
+            <a:r>
+              <a:rPr lang="en-US" dirty="0" smtClean="0"/>
+              <a:t> </a:t>
+            </a:r>
+            <a:r>
+              <a:rPr lang="en-US" dirty="0" err="1" smtClean="0"/>
+              <a:t>tên</a:t>
+            </a:r>
+            <a:r>
+              <a:rPr lang="en-US" dirty="0" smtClean="0"/>
+              <a:t> </a:t>
+            </a:r>
+            <a:r>
+              <a:rPr lang="en-US" dirty="0" err="1" smtClean="0"/>
+              <a:t>các</a:t>
+            </a:r>
+            <a:r>
+              <a:rPr lang="en-US" dirty="0" smtClean="0"/>
+              <a:t> </a:t>
+            </a:r>
+            <a:r>
+              <a:rPr lang="en-US" dirty="0" err="1" smtClean="0"/>
+              <a:t>hàm</a:t>
+            </a:r>
+            <a:r>
+              <a:rPr lang="en-US" dirty="0" smtClean="0"/>
+              <a:t> </a:t>
+            </a:r>
+            <a:r>
+              <a:rPr lang="en-US" dirty="0" err="1" smtClean="0"/>
+              <a:t>của</a:t>
+            </a:r>
+            <a:r>
+              <a:rPr lang="en-US" dirty="0" smtClean="0"/>
+              <a:t> OpenGL: </a:t>
+            </a:r>
+            <a:r>
+              <a:rPr lang="en-US" dirty="0" err="1" smtClean="0"/>
+              <a:t>các</a:t>
+            </a:r>
+            <a:r>
+              <a:rPr lang="en-US" dirty="0" smtClean="0"/>
+              <a:t> </a:t>
+            </a:r>
+            <a:r>
+              <a:rPr lang="en-US" dirty="0" err="1" smtClean="0"/>
+              <a:t>hàm</a:t>
+            </a:r>
+            <a:r>
+              <a:rPr lang="en-US" dirty="0" smtClean="0"/>
+              <a:t> </a:t>
+            </a:r>
+            <a:r>
+              <a:rPr lang="en-US" dirty="0" err="1" smtClean="0"/>
+              <a:t>tương</a:t>
+            </a:r>
+            <a:r>
+              <a:rPr lang="en-US" dirty="0" smtClean="0"/>
+              <a:t> </a:t>
+            </a:r>
+            <a:r>
+              <a:rPr lang="en-US" dirty="0" err="1" smtClean="0"/>
+              <a:t>tác</a:t>
+            </a:r>
+            <a:r>
+              <a:rPr lang="en-US" dirty="0" smtClean="0"/>
+              <a:t> </a:t>
+            </a:r>
+            <a:r>
+              <a:rPr lang="en-US" dirty="0" err="1" smtClean="0"/>
+              <a:t>đồ</a:t>
+            </a:r>
+            <a:r>
+              <a:rPr lang="en-US" dirty="0" smtClean="0"/>
+              <a:t> </a:t>
+            </a:r>
+            <a:r>
+              <a:rPr lang="en-US" dirty="0" err="1" smtClean="0"/>
+              <a:t>họa</a:t>
+            </a:r>
+            <a:r>
+              <a:rPr lang="en-US" dirty="0" smtClean="0"/>
+              <a:t> </a:t>
+            </a:r>
+            <a:r>
+              <a:rPr lang="en-US" dirty="0" err="1" smtClean="0"/>
+              <a:t>của</a:t>
+            </a:r>
+            <a:r>
+              <a:rPr lang="en-US" dirty="0" smtClean="0"/>
+              <a:t> </a:t>
+            </a:r>
+            <a:r>
+              <a:rPr lang="en-US" dirty="0" err="1" smtClean="0"/>
+              <a:t>thư</a:t>
+            </a:r>
+            <a:r>
+              <a:rPr lang="en-US" dirty="0" smtClean="0"/>
+              <a:t> </a:t>
+            </a:r>
+            <a:r>
+              <a:rPr lang="en-US" dirty="0" err="1" smtClean="0"/>
+              <a:t>viện</a:t>
+            </a:r>
+            <a:r>
+              <a:rPr lang="en-US" dirty="0" smtClean="0"/>
+              <a:t> OpenGL </a:t>
+            </a:r>
+            <a:r>
+              <a:rPr lang="en-US" dirty="0" err="1" smtClean="0"/>
+              <a:t>được</a:t>
+            </a:r>
+            <a:r>
+              <a:rPr lang="en-US" dirty="0" smtClean="0"/>
+              <a:t> </a:t>
+            </a:r>
+            <a:r>
+              <a:rPr lang="en-US" dirty="0" err="1" smtClean="0"/>
+              <a:t>bắt</a:t>
+            </a:r>
+            <a:r>
+              <a:rPr lang="en-US" dirty="0" smtClean="0"/>
+              <a:t> </a:t>
+            </a:r>
+            <a:r>
+              <a:rPr lang="en-US" dirty="0" err="1" smtClean="0"/>
+              <a:t>đầu</a:t>
+            </a:r>
+            <a:r>
+              <a:rPr lang="en-US" dirty="0" smtClean="0"/>
+              <a:t> </a:t>
+            </a:r>
+            <a:r>
+              <a:rPr lang="en-US" dirty="0" err="1" smtClean="0"/>
+              <a:t>cố</a:t>
+            </a:r>
+            <a:r>
+              <a:rPr lang="en-US" dirty="0" smtClean="0"/>
+              <a:t> </a:t>
+            </a:r>
+            <a:r>
+              <a:rPr lang="en-US" dirty="0" err="1" smtClean="0"/>
+              <a:t>định</a:t>
+            </a:r>
+            <a:r>
+              <a:rPr lang="en-US" dirty="0" smtClean="0"/>
+              <a:t> </a:t>
+            </a:r>
+            <a:r>
+              <a:rPr lang="en-US" dirty="0" err="1" smtClean="0"/>
+              <a:t>bằng</a:t>
+            </a:r>
+            <a:r>
+              <a:rPr lang="en-US" dirty="0" smtClean="0"/>
+              <a:t> 2 </a:t>
+            </a:r>
+            <a:r>
+              <a:rPr lang="en-US" dirty="0" err="1" smtClean="0"/>
+              <a:t>ký</a:t>
+            </a:r>
+            <a:r>
+              <a:rPr lang="en-US" dirty="0" smtClean="0"/>
+              <a:t> </a:t>
+            </a:r>
+            <a:r>
+              <a:rPr lang="en-US" dirty="0" err="1" smtClean="0"/>
+              <a:t>tự</a:t>
+            </a:r>
+            <a:r>
+              <a:rPr lang="en-US" dirty="0" smtClean="0"/>
+              <a:t> </a:t>
+            </a:r>
+            <a:r>
+              <a:rPr lang="en-US" dirty="0" err="1" smtClean="0"/>
+              <a:t>viết</a:t>
+            </a:r>
+            <a:r>
+              <a:rPr lang="en-US" dirty="0" smtClean="0"/>
+              <a:t> </a:t>
+            </a:r>
+            <a:r>
+              <a:rPr lang="en-US" dirty="0" err="1" smtClean="0"/>
+              <a:t>tắt</a:t>
+            </a:r>
+            <a:r>
+              <a:rPr lang="en-US" dirty="0" smtClean="0"/>
+              <a:t> “</a:t>
+            </a:r>
+            <a:r>
+              <a:rPr lang="en-US" dirty="0" err="1" smtClean="0"/>
+              <a:t>gl</a:t>
+            </a:r>
+            <a:r>
+              <a:rPr lang="en-US" dirty="0" smtClean="0"/>
+              <a:t>”.</a:t>
+            </a:r>
+          </a:p>
+          <a:p>
+            <a:r>
+              <a:rPr lang="en-US" dirty="0" err="1" smtClean="0"/>
+              <a:t>Vd</a:t>
+            </a:r>
+            <a:r>
+              <a:rPr lang="en-US" dirty="0" smtClean="0"/>
+              <a:t>: </a:t>
+            </a:r>
+          </a:p>
+          <a:p>
+            <a:pPr lvl="1"/>
+            <a:r>
+              <a:rPr lang="en-US" sz="2000" dirty="0" err="1" smtClean="0">
+                <a:hlinkClick r:id="rId2"/>
+              </a:rPr>
+              <a:t>glDrawElements</a:t>
+            </a:r>
+            <a:r>
+              <a:rPr lang="en-US" sz="2000" dirty="0" smtClean="0"/>
+              <a:t>(</a:t>
+            </a:r>
+            <a:r>
+              <a:rPr lang="en-US" sz="2000" dirty="0" err="1" smtClean="0"/>
+              <a:t>int</a:t>
+            </a:r>
+            <a:r>
+              <a:rPr lang="en-US" sz="2000" dirty="0" smtClean="0"/>
+              <a:t> mode, </a:t>
+            </a:r>
+            <a:r>
+              <a:rPr lang="en-US" sz="2000" dirty="0" err="1" smtClean="0"/>
+              <a:t>int</a:t>
+            </a:r>
+            <a:r>
+              <a:rPr lang="en-US" sz="2000" dirty="0" smtClean="0"/>
+              <a:t> count, </a:t>
+            </a:r>
+            <a:r>
+              <a:rPr lang="en-US" sz="2000" dirty="0" err="1" smtClean="0"/>
+              <a:t>int</a:t>
+            </a:r>
+            <a:r>
+              <a:rPr lang="en-US" sz="2000" dirty="0" smtClean="0"/>
+              <a:t> type, </a:t>
+            </a:r>
+            <a:r>
+              <a:rPr lang="en-US" sz="2000" dirty="0" smtClean="0">
+                <a:hlinkClick r:id="rId3"/>
+              </a:rPr>
+              <a:t>Buffer</a:t>
+            </a:r>
+            <a:r>
+              <a:rPr lang="en-US" sz="2000" dirty="0" smtClean="0"/>
+              <a:t> indices</a:t>
+            </a:r>
+            <a:r>
+              <a:rPr lang="en-US" sz="2000" dirty="0" smtClean="0"/>
+              <a:t>)</a:t>
+            </a:r>
+          </a:p>
+          <a:p>
+            <a:pPr lvl="1"/>
+            <a:r>
+              <a:rPr lang="fr-FR" sz="2000" dirty="0" err="1" smtClean="0">
+                <a:hlinkClick r:id="rId2"/>
+              </a:rPr>
+              <a:t>glScalex</a:t>
+            </a:r>
+            <a:r>
+              <a:rPr lang="fr-FR" sz="2000" dirty="0" smtClean="0"/>
+              <a:t>(</a:t>
+            </a:r>
+            <a:r>
+              <a:rPr lang="fr-FR" sz="2000" dirty="0" err="1" smtClean="0"/>
+              <a:t>int</a:t>
+            </a:r>
+            <a:r>
+              <a:rPr lang="fr-FR" sz="2000" dirty="0" smtClean="0"/>
+              <a:t> x, </a:t>
+            </a:r>
+            <a:r>
+              <a:rPr lang="fr-FR" sz="2000" dirty="0" err="1" smtClean="0"/>
+              <a:t>int</a:t>
+            </a:r>
+            <a:r>
+              <a:rPr lang="fr-FR" sz="2000" dirty="0" smtClean="0"/>
+              <a:t> y, </a:t>
+            </a:r>
+            <a:r>
+              <a:rPr lang="fr-FR" sz="2000" dirty="0" err="1" smtClean="0"/>
+              <a:t>int</a:t>
+            </a:r>
+            <a:r>
+              <a:rPr lang="fr-FR" sz="2000" dirty="0" smtClean="0"/>
+              <a:t> z</a:t>
+            </a:r>
+            <a:r>
+              <a:rPr lang="fr-FR" sz="2000" dirty="0" smtClean="0"/>
+              <a:t>)</a:t>
+            </a:r>
+          </a:p>
+          <a:p>
+            <a:pPr lvl="1"/>
+            <a:r>
+              <a:rPr lang="en-US" sz="2000" dirty="0" err="1" smtClean="0">
+                <a:hlinkClick r:id="rId2"/>
+              </a:rPr>
+              <a:t>glViewport</a:t>
+            </a:r>
+            <a:r>
+              <a:rPr lang="en-US" sz="2000" dirty="0" smtClean="0"/>
+              <a:t>(</a:t>
+            </a:r>
+            <a:r>
+              <a:rPr lang="en-US" sz="2000" dirty="0" err="1" smtClean="0"/>
+              <a:t>int</a:t>
+            </a:r>
+            <a:r>
+              <a:rPr lang="en-US" sz="2000" dirty="0" smtClean="0"/>
+              <a:t> x, </a:t>
+            </a:r>
+            <a:r>
+              <a:rPr lang="en-US" sz="2000" dirty="0" err="1" smtClean="0"/>
+              <a:t>int</a:t>
+            </a:r>
+            <a:r>
+              <a:rPr lang="en-US" sz="2000" dirty="0" smtClean="0"/>
+              <a:t> y, </a:t>
+            </a:r>
+            <a:r>
+              <a:rPr lang="en-US" sz="2000" dirty="0" err="1" smtClean="0"/>
+              <a:t>int</a:t>
+            </a:r>
+            <a:r>
+              <a:rPr lang="en-US" sz="2000" dirty="0" smtClean="0"/>
+              <a:t> width, </a:t>
+            </a:r>
+            <a:r>
+              <a:rPr lang="en-US" sz="2000" dirty="0" err="1" smtClean="0"/>
+              <a:t>int</a:t>
+            </a:r>
+            <a:r>
+              <a:rPr lang="en-US" sz="2000" dirty="0" smtClean="0"/>
+              <a:t> height)</a:t>
+            </a:r>
+            <a:endParaRPr lang="en-US" sz="2000" dirty="0" smtClean="0"/>
+          </a:p>
+        </p:txBody>
+      </p:sp>
+      <p:sp>
+        <p:nvSpPr>
+          <p:cNvPr id="4" name="Date Placeholder 3"/>
+          <p:cNvSpPr>
+            <a:spLocks noGrp="1"/>
+          </p:cNvSpPr>
+          <p:nvPr>
+            <p:ph type="dt" sz="half" idx="10"/>
+          </p:nvPr>
+        </p:nvSpPr>
+        <p:spPr/>
+        <p:txBody>
+          <a:bodyPr/>
+          <a:lstStyle/>
+          <a:p>
+            <a:pPr>
+              <a:defRPr/>
+            </a:pPr>
+            <a:fld id="{D86BDA05-886F-4BEB-8934-0E21CCB7EEA5}" type="datetime1">
+              <a:rPr lang="vi-VN" smtClean="0"/>
+              <a:pPr>
+                <a:defRPr/>
+              </a:pPr>
+              <a:t>14/11/2011</a:t>
+            </a:fld>
+            <a:endParaRPr lang="en-US"/>
+          </a:p>
+        </p:txBody>
+      </p:sp>
+      <p:sp>
+        <p:nvSpPr>
+          <p:cNvPr id="5" name="Footer Placeholder 4"/>
+          <p:cNvSpPr>
+            <a:spLocks noGrp="1"/>
+          </p:cNvSpPr>
+          <p:nvPr>
+            <p:ph type="ftr" sz="quarter" idx="11"/>
+          </p:nvPr>
+        </p:nvSpPr>
+        <p:spPr/>
+        <p:txBody>
+          <a:bodyPr/>
+          <a:lstStyle/>
+          <a:p>
+            <a:pPr>
+              <a:defRPr/>
+            </a:pPr>
+            <a:r>
+              <a:rPr lang="en-US" smtClean="0"/>
+              <a:t>Trung Tâm Tin Học - ĐH KHTN         ĐH QG TP.HCM</a:t>
+            </a:r>
+            <a:endParaRPr lang="en-US"/>
+          </a:p>
+        </p:txBody>
+      </p:sp>
+      <p:sp>
+        <p:nvSpPr>
+          <p:cNvPr id="6" name="Slide Number Placeholder 5"/>
+          <p:cNvSpPr>
+            <a:spLocks noGrp="1"/>
+          </p:cNvSpPr>
+          <p:nvPr>
+            <p:ph type="sldNum" sz="quarter" idx="12"/>
+          </p:nvPr>
+        </p:nvSpPr>
+        <p:spPr/>
+        <p:txBody>
+          <a:bodyPr/>
+          <a:lstStyle/>
+          <a:p>
+            <a:pPr>
+              <a:defRPr/>
+            </a:pPr>
+            <a:fld id="{FAD8CA80-D256-40E5-B64B-EBBE75738043}" type="slidenum">
+              <a:rPr lang="en-US" smtClean="0"/>
+              <a:pPr>
+                <a:defRPr/>
+              </a:pPr>
+              <a:t>7</a:t>
+            </a:fld>
+            <a:endParaRPr lang="en-US"/>
+          </a:p>
+        </p:txBody>
+      </p:sp>
+    </p:spTree>
+  </p:cSld>
+  <p:clrMapOvr>
+    <a:masterClrMapping/>
+  </p:clrMapOvr>
+</p:sld>
+</file>
+
+<file path=ppt/slides/slide8.xml><?xml version="1.0" encoding="utf-8"?>
+<p:sld xmlns:a="http://schemas.openxmlformats.org/drawingml/2006/main" xmlns:r="http://schemas.openxmlformats.org/officeDocument/2006/relationships" xmlns:p="http://schemas.openxmlformats.org/presentationml/2006/main">
+  <p:cSld>
+    <p:spTree>
+      <p:nvGrpSpPr>
+        <p:cNvPr id="1" name=""/>
+        <p:cNvGrpSpPr/>
+        <p:nvPr/>
+      </p:nvGrpSpPr>
+      <p:grpSpPr>
+        <a:xfrm>
+          <a:off x="0" y="0"/>
+          <a:ext cx="0" cy="0"/>
+          <a:chOff x="0" y="0"/>
+          <a:chExt cx="0" cy="0"/>
+        </a:xfrm>
+      </p:grpSpPr>
+      <p:sp>
+        <p:nvSpPr>
+          <p:cNvPr id="2" name="Title 1"/>
+          <p:cNvSpPr>
+            <a:spLocks noGrp="1"/>
+          </p:cNvSpPr>
+          <p:nvPr>
+            <p:ph type="title"/>
+          </p:nvPr>
+        </p:nvSpPr>
+        <p:spPr>
+          <a:xfrm>
+            <a:off x="762000" y="762000"/>
+            <a:ext cx="7924800" cy="685800"/>
+          </a:xfrm>
+        </p:spPr>
+        <p:txBody>
+          <a:bodyPr/>
+          <a:lstStyle/>
+          <a:p>
+            <a:pPr algn="r"/>
+            <a:r>
+              <a:rPr lang="en-US" dirty="0" err="1" smtClean="0"/>
+              <a:t>Ứng</a:t>
+            </a:r>
+            <a:r>
+              <a:rPr lang="en-US" dirty="0" smtClean="0"/>
+              <a:t> </a:t>
+            </a:r>
+            <a:r>
+              <a:rPr lang="en-US" dirty="0" err="1" smtClean="0"/>
+              <a:t>dụng</a:t>
+            </a:r>
+            <a:r>
+              <a:rPr lang="en-US" dirty="0" smtClean="0"/>
+              <a:t> </a:t>
+            </a:r>
+            <a:r>
+              <a:rPr lang="en-US" dirty="0" err="1" smtClean="0"/>
+              <a:t>mẫu</a:t>
+            </a:r>
+            <a:endParaRPr lang="en-US" dirty="0"/>
+          </a:p>
+        </p:txBody>
+      </p:sp>
+      <p:sp>
+        <p:nvSpPr>
+          <p:cNvPr id="3" name="Content Placeholder 2"/>
+          <p:cNvSpPr>
+            <a:spLocks noGrp="1"/>
+          </p:cNvSpPr>
+          <p:nvPr>
+            <p:ph idx="1"/>
+          </p:nvPr>
+        </p:nvSpPr>
+        <p:spPr/>
+        <p:txBody>
+          <a:bodyPr/>
+          <a:lstStyle/>
+          <a:p>
+            <a:r>
+              <a:rPr lang="en-US" smtClean="0">
+                <a:hlinkClick r:id="rId2"/>
+              </a:rPr>
+              <a:t>http</a:t>
+            </a:r>
+            <a:r>
+              <a:rPr lang="en-US" smtClean="0">
+                <a:hlinkClick r:id="rId2"/>
+              </a:rPr>
+              <a:t>://</a:t>
+            </a:r>
+            <a:r>
+              <a:rPr lang="en-US" smtClean="0">
+                <a:hlinkClick r:id="rId2"/>
+              </a:rPr>
+              <a:t>developer.android.com/resources/tutorials/opengl/opengl-es10.html</a:t>
+            </a:r>
+            <a:endParaRPr lang="en-US" smtClean="0"/>
+          </a:p>
+          <a:p>
+            <a:endParaRPr lang="en-US"/>
+          </a:p>
+        </p:txBody>
+      </p:sp>
+      <p:sp>
+        <p:nvSpPr>
+          <p:cNvPr id="4" name="Date Placeholder 3"/>
+          <p:cNvSpPr>
+            <a:spLocks noGrp="1"/>
+          </p:cNvSpPr>
+          <p:nvPr>
+            <p:ph type="dt" sz="half" idx="10"/>
+          </p:nvPr>
+        </p:nvSpPr>
+        <p:spPr/>
+        <p:txBody>
+          <a:bodyPr/>
+          <a:lstStyle/>
+          <a:p>
+            <a:pPr>
+              <a:defRPr/>
+            </a:pPr>
+            <a:fld id="{D86BDA05-886F-4BEB-8934-0E21CCB7EEA5}" type="datetime1">
+              <a:rPr lang="vi-VN" smtClean="0"/>
+              <a:pPr>
+                <a:defRPr/>
+              </a:pPr>
+              <a:t>14/11/2011</a:t>
+            </a:fld>
+            <a:endParaRPr lang="en-US"/>
+          </a:p>
+        </p:txBody>
+      </p:sp>
+      <p:sp>
+        <p:nvSpPr>
+          <p:cNvPr id="5" name="Footer Placeholder 4"/>
+          <p:cNvSpPr>
+            <a:spLocks noGrp="1"/>
+          </p:cNvSpPr>
+          <p:nvPr>
+            <p:ph type="ftr" sz="quarter" idx="11"/>
+          </p:nvPr>
+        </p:nvSpPr>
+        <p:spPr/>
+        <p:txBody>
+          <a:bodyPr/>
+          <a:lstStyle/>
+          <a:p>
+            <a:pPr>
+              <a:defRPr/>
+            </a:pPr>
+            <a:r>
+              <a:rPr lang="en-US" smtClean="0"/>
+              <a:t>Trung Tâm Tin Học - ĐH KHTN         ĐH QG TP.HCM</a:t>
+            </a:r>
+            <a:endParaRPr lang="en-US"/>
+          </a:p>
+        </p:txBody>
+      </p:sp>
+      <p:sp>
+        <p:nvSpPr>
+          <p:cNvPr id="6" name="Slide Number Placeholder 5"/>
+          <p:cNvSpPr>
+            <a:spLocks noGrp="1"/>
+          </p:cNvSpPr>
+          <p:nvPr>
+            <p:ph type="sldNum" sz="quarter" idx="12"/>
+          </p:nvPr>
+        </p:nvSpPr>
+        <p:spPr/>
+        <p:txBody>
+          <a:bodyPr/>
+          <a:lstStyle/>
+          <a:p>
+            <a:pPr>
+              <a:defRPr/>
+            </a:pPr>
+            <a:fld id="{FAD8CA80-D256-40E5-B64B-EBBE75738043}" type="slidenum">
+              <a:rPr lang="en-US" smtClean="0"/>
+              <a:pPr>
+                <a:defRPr/>
+              </a:pPr>
+              <a:t>8</a:t>
+            </a:fld>
+            <a:endParaRPr lang="en-US"/>
+          </a:p>
+        </p:txBody>
+      </p:sp>
+    </p:spTree>
+  </p:cSld>
+  <p:clrMapOvr>
+    <a:masterClrMapping/>
+  </p:clrMapOvr>
+</p:sld>
+</file>
+
+<file path=ppt/slides/slide9.xml><?xml version="1.0" encoding="utf-8"?>
+<p:sld xmlns:a="http://schemas.openxmlformats.org/drawingml/2006/main" xmlns:r="http://schemas.openxmlformats.org/officeDocument/2006/relationships" xmlns:p="http://schemas.openxmlformats.org/presentationml/2006/main">
+  <p:cSld>
+    <p:spTree>
+      <p:nvGrpSpPr>
+        <p:cNvPr id="1" name=""/>
+        <p:cNvGrpSpPr/>
+        <p:nvPr/>
+      </p:nvGrpSpPr>
+      <p:grpSpPr>
+        <a:xfrm>
+          <a:off x="0" y="0"/>
+          <a:ext cx="0" cy="0"/>
+          <a:chOff x="0" y="0"/>
+          <a:chExt cx="0" cy="0"/>
+        </a:xfrm>
+      </p:grpSpPr>
+      <p:sp>
+        <p:nvSpPr>
           <p:cNvPr id="21505" name="Date Placeholder 3"/>
           <p:cNvSpPr>
             <a:spLocks noGrp="1"/>
@@ -5485,7 +7775,7 @@
             <a:fld id="{81BE58BC-F912-4325-873A-6E31A6954566}" type="slidenum">
               <a:rPr lang="en-US" smtClean="0"/>
               <a:pPr/>
-              <a:t>6</a:t>
+              <a:t>9</a:t>
             </a:fld>
             <a:endParaRPr lang="en-US" smtClean="0"/>
           </a:p>

--- a/trunk/lessions/Android_Par11_Android3DProgramming.pptx
+++ b/trunk/lessions/Android_Par11_Android3DProgramming.pptx
@@ -7572,27 +7572,21 @@
           <a:lstStyle/>
           <a:p>
             <a:r>
-              <a:rPr lang="en-US" smtClean="0">
+              <a:rPr lang="en-US" dirty="0" smtClean="0">
                 <a:hlinkClick r:id="rId2"/>
               </a:rPr>
-              <a:t>http</a:t>
-            </a:r>
-            <a:r>
-              <a:rPr lang="en-US" smtClean="0">
-                <a:hlinkClick r:id="rId2"/>
-              </a:rPr>
-              <a:t>://</a:t>
-            </a:r>
-            <a:r>
-              <a:rPr lang="en-US" smtClean="0">
+              <a:t>http://</a:t>
+            </a:r>
+            <a:r>
+              <a:rPr lang="en-US" dirty="0" smtClean="0">
                 <a:hlinkClick r:id="rId2"/>
               </a:rPr>
               <a:t>developer.android.com/resources/tutorials/opengl/opengl-es10.html</a:t>
             </a:r>
-            <a:endParaRPr lang="en-US" smtClean="0"/>
-          </a:p>
-          <a:p>
-            <a:endParaRPr lang="en-US"/>
+            <a:endParaRPr lang="en-US" dirty="0" smtClean="0"/>
+          </a:p>
+          <a:p>
+            <a:endParaRPr lang="en-US" dirty="0"/>
           </a:p>
         </p:txBody>
       </p:sp>
